--- a/information/Презентация.pptx
+++ b/information/Презентация.pptx
@@ -7,9 +7,13 @@
   <p:sldIdLst>
     <p:sldId id="256" r:id="rId2"/>
     <p:sldId id="257" r:id="rId3"/>
-    <p:sldId id="258" r:id="rId4"/>
-    <p:sldId id="259" r:id="rId5"/>
-    <p:sldId id="260" r:id="rId6"/>
+    <p:sldId id="263" r:id="rId4"/>
+    <p:sldId id="258" r:id="rId5"/>
+    <p:sldId id="259" r:id="rId6"/>
+    <p:sldId id="264" r:id="rId7"/>
+    <p:sldId id="261" r:id="rId8"/>
+    <p:sldId id="262" r:id="rId9"/>
+    <p:sldId id="260" r:id="rId10"/>
   </p:sldIdLst>
   <p:sldSz cx="12192000" cy="6858000"/>
   <p:notesSz cx="6858000" cy="9144000"/>
@@ -119,6 +123,8 @@
 <file path=ppt/revisionInfo.xml><?xml version="1.0" encoding="utf-8"?>
 <p1510:revInfo xmlns:a="http://schemas.openxmlformats.org/drawingml/2006/main" xmlns:r="http://schemas.openxmlformats.org/officeDocument/2006/relationships" xmlns:p1510="http://schemas.microsoft.com/office/powerpoint/2015/10/main">
   <p1510:revLst>
+    <p1510:client id="{4267416E-70BC-4270-8E3D-7DF04F5A3D6F}" v="243" dt="2021-11-10T06:44:27.070"/>
+    <p1510:client id="{6D743956-A497-4E09-9442-C020F6171B2E}" v="41" dt="2021-11-11T05:09:06.894"/>
     <p1510:client id="{AAE7D965-8C26-4D72-932B-13B5EF937F9E}" v="1162" dt="2021-11-09T06:59:15.062"/>
   </p1510:revLst>
 </p1510:revInfo>
@@ -278,7 +284,7 @@
           <a:p>
             <a:fld id="{11EAACC7-3B3F-47D1-959A-EF58926E955E}" type="datetimeFigureOut">
               <a:rPr lang="en-US" smtClean="0"/>
-              <a:t>11/8/2021</a:t>
+              <a:t>11/10/2021</a:t>
             </a:fld>
             <a:endParaRPr lang="en-US"/>
           </a:p>
@@ -476,7 +482,7 @@
           <a:p>
             <a:fld id="{11EAACC7-3B3F-47D1-959A-EF58926E955E}" type="datetimeFigureOut">
               <a:rPr lang="en-US" smtClean="0"/>
-              <a:t>11/8/2021</a:t>
+              <a:t>11/10/2021</a:t>
             </a:fld>
             <a:endParaRPr lang="en-US"/>
           </a:p>
@@ -684,7 +690,7 @@
           <a:p>
             <a:fld id="{11EAACC7-3B3F-47D1-959A-EF58926E955E}" type="datetimeFigureOut">
               <a:rPr lang="en-US" smtClean="0"/>
-              <a:t>11/8/2021</a:t>
+              <a:t>11/10/2021</a:t>
             </a:fld>
             <a:endParaRPr lang="en-US"/>
           </a:p>
@@ -913,7 +919,7 @@
           <a:p>
             <a:fld id="{11EAACC7-3B3F-47D1-959A-EF58926E955E}" type="datetimeFigureOut">
               <a:rPr lang="en-US" smtClean="0"/>
-              <a:t>11/8/2021</a:t>
+              <a:t>11/10/2021</a:t>
             </a:fld>
             <a:endParaRPr lang="en-US" dirty="0"/>
           </a:p>
@@ -1188,7 +1194,7 @@
           <a:p>
             <a:fld id="{11EAACC7-3B3F-47D1-959A-EF58926E955E}" type="datetimeFigureOut">
               <a:rPr lang="en-US" smtClean="0"/>
-              <a:t>11/8/2021</a:t>
+              <a:t>11/10/2021</a:t>
             </a:fld>
             <a:endParaRPr lang="en-US"/>
           </a:p>
@@ -1454,7 +1460,7 @@
           <a:p>
             <a:fld id="{11EAACC7-3B3F-47D1-959A-EF58926E955E}" type="datetimeFigureOut">
               <a:rPr lang="en-US" smtClean="0"/>
-              <a:t>11/8/2021</a:t>
+              <a:t>11/10/2021</a:t>
             </a:fld>
             <a:endParaRPr lang="en-US"/>
           </a:p>
@@ -1871,7 +1877,7 @@
           <a:p>
             <a:fld id="{11EAACC7-3B3F-47D1-959A-EF58926E955E}" type="datetimeFigureOut">
               <a:rPr lang="en-US" smtClean="0"/>
-              <a:t>11/8/2021</a:t>
+              <a:t>11/10/2021</a:t>
             </a:fld>
             <a:endParaRPr lang="en-US"/>
           </a:p>
@@ -2012,7 +2018,7 @@
           <a:p>
             <a:fld id="{11EAACC7-3B3F-47D1-959A-EF58926E955E}" type="datetimeFigureOut">
               <a:rPr lang="en-US" smtClean="0"/>
-              <a:t>11/8/2021</a:t>
+              <a:t>11/10/2021</a:t>
             </a:fld>
             <a:endParaRPr lang="en-US"/>
           </a:p>
@@ -2125,7 +2131,7 @@
           <a:p>
             <a:fld id="{11EAACC7-3B3F-47D1-959A-EF58926E955E}" type="datetimeFigureOut">
               <a:rPr lang="en-US" smtClean="0"/>
-              <a:t>11/8/2021</a:t>
+              <a:t>11/10/2021</a:t>
             </a:fld>
             <a:endParaRPr lang="en-US"/>
           </a:p>
@@ -2436,7 +2442,7 @@
           <a:p>
             <a:fld id="{11EAACC7-3B3F-47D1-959A-EF58926E955E}" type="datetimeFigureOut">
               <a:rPr lang="en-US" smtClean="0"/>
-              <a:t>11/8/2021</a:t>
+              <a:t>11/10/2021</a:t>
             </a:fld>
             <a:endParaRPr lang="en-US"/>
           </a:p>
@@ -2727,7 +2733,7 @@
           <a:p>
             <a:fld id="{11EAACC7-3B3F-47D1-959A-EF58926E955E}" type="datetimeFigureOut">
               <a:rPr lang="en-US" smtClean="0"/>
-              <a:t>11/8/2021</a:t>
+              <a:t>11/10/2021</a:t>
             </a:fld>
             <a:endParaRPr lang="en-US"/>
           </a:p>
@@ -3284,7 +3290,7 @@
           <a:p>
             <a:fld id="{11EAACC7-3B3F-47D1-959A-EF58926E955E}" type="datetimeFigureOut">
               <a:rPr lang="en-US" smtClean="0"/>
-              <a:t>11/8/2021</a:t>
+              <a:t>11/10/2021</a:t>
             </a:fld>
             <a:endParaRPr lang="en-US"/>
           </a:p>
@@ -4631,7 +4637,7 @@
           <p:cNvPr id="2" name="Заголовок 1">
             <a:extLst>
               <a:ext uri="{FF2B5EF4-FFF2-40B4-BE49-F238E27FC236}">
-                <a16:creationId xmlns:a16="http://schemas.microsoft.com/office/drawing/2014/main" id="{A168AE79-4582-49E3-A235-B6C476B1625A}"/>
+                <a16:creationId xmlns:a16="http://schemas.microsoft.com/office/drawing/2014/main" id="{7F0EAE06-C4D5-4667-9DA0-FF1E7E9DAE7E}"/>
               </a:ext>
             </a:extLst>
           </p:cNvPr>
@@ -4642,136 +4648,61 @@
             <p:ph type="title"/>
           </p:nvPr>
         </p:nvSpPr>
-        <p:spPr/>
+        <p:spPr>
+          <a:xfrm>
+            <a:off x="1143000" y="1"/>
+            <a:ext cx="9906000" cy="1382156"/>
+          </a:xfrm>
+        </p:spPr>
         <p:txBody>
           <a:bodyPr/>
           <a:lstStyle/>
           <a:p>
             <a:r>
-              <a:rPr lang="ru-RU" b="1" i="0">
+              <a:rPr lang="ru-RU" i="0" dirty="0">
                 <a:ea typeface="+mj-lt"/>
                 <a:cs typeface="+mj-lt"/>
               </a:rPr>
-              <a:t>Описание реализации</a:t>
-            </a:r>
-            <a:br>
-              <a:rPr lang="ru-RU" b="1" i="0" dirty="0">
-                <a:ea typeface="+mj-lt"/>
-                <a:cs typeface="+mj-lt"/>
-              </a:rPr>
-            </a:br>
-            <a:r>
-              <a:rPr lang="ru-RU" b="1" i="0"/>
-              <a:t>(Классы)</a:t>
-            </a:r>
-            <a:endParaRPr lang="ru-RU"/>
-          </a:p>
-        </p:txBody>
-      </p:sp>
-      <p:sp>
-        <p:nvSpPr>
-          <p:cNvPr id="3" name="Объект 2">
-            <a:extLst>
-              <a:ext uri="{FF2B5EF4-FFF2-40B4-BE49-F238E27FC236}">
-                <a16:creationId xmlns:a16="http://schemas.microsoft.com/office/drawing/2014/main" id="{B7BA196C-99A1-4E6F-B252-5DB9E57894D7}"/>
-              </a:ext>
-            </a:extLst>
-          </p:cNvPr>
-          <p:cNvSpPr>
-            <a:spLocks noGrp="1"/>
-          </p:cNvSpPr>
-          <p:nvPr>
-            <p:ph idx="1"/>
-          </p:nvPr>
-        </p:nvSpPr>
-        <p:spPr/>
-        <p:txBody>
-          <a:bodyPr vert="horz" lIns="91440" tIns="45720" rIns="91440" bIns="45720" rtlCol="0" anchor="t">
-            <a:normAutofit/>
-          </a:bodyPr>
-          <a:lstStyle/>
-          <a:p>
-            <a:pPr marL="0" indent="0">
-              <a:buNone/>
-            </a:pPr>
-            <a:r>
-              <a:rPr lang="ru-RU"/>
-              <a:t>В проекте было реализованно 5 классов:</a:t>
-            </a:r>
-          </a:p>
-          <a:p>
-            <a:pPr marL="457200" indent="-457200">
-              <a:buAutoNum type="arabicPeriod"/>
-            </a:pPr>
-            <a:r>
-              <a:rPr lang="ru-RU"/>
-              <a:t>Класс главного окна (можно сказать что это главное меню)</a:t>
-            </a:r>
-          </a:p>
-          <a:p>
-            <a:pPr marL="457200" indent="-457200">
-              <a:buAutoNum type="arabicPeriod"/>
-            </a:pPr>
-            <a:r>
-              <a:rPr lang="ru-RU"/>
-              <a:t>Класс окна базы данных фильмов</a:t>
-            </a:r>
-          </a:p>
-          <a:p>
-            <a:pPr marL="457200" indent="-457200">
-              <a:buAutoNum type="arabicPeriod"/>
-            </a:pPr>
-            <a:r>
-              <a:rPr lang="ru-RU">
-                <a:ea typeface="+mn-lt"/>
-                <a:cs typeface="+mn-lt"/>
-              </a:rPr>
-              <a:t>Класс окна базы данных сериалов</a:t>
-            </a:r>
-          </a:p>
-          <a:p>
-            <a:pPr marL="457200" indent="-457200">
-              <a:buAutoNum type="arabicPeriod"/>
-            </a:pPr>
-            <a:r>
-              <a:rPr lang="ru-RU">
-                <a:ea typeface="+mn-lt"/>
-                <a:cs typeface="+mn-lt"/>
-              </a:rPr>
-              <a:t>Класс окна базы данных книг</a:t>
-            </a:r>
-          </a:p>
-          <a:p>
-            <a:pPr marL="457200" indent="-457200">
-              <a:buAutoNum type="arabicPeriod"/>
-            </a:pPr>
-            <a:r>
-              <a:rPr lang="ru-RU">
-                <a:ea typeface="+mn-lt"/>
-                <a:cs typeface="+mn-lt"/>
-              </a:rPr>
-              <a:t>Клас окна настроек</a:t>
-            </a:r>
-            <a:endParaRPr lang="ru-RU" dirty="0">
-              <a:ea typeface="+mn-lt"/>
-              <a:cs typeface="+mn-lt"/>
-            </a:endParaRPr>
-          </a:p>
-          <a:p>
-            <a:pPr marL="457200" indent="-457200">
-              <a:buAutoNum type="arabicPeriod"/>
-            </a:pPr>
-            <a:endParaRPr lang="ru-RU" dirty="0">
-              <a:ea typeface="+mn-lt"/>
-              <a:cs typeface="+mn-lt"/>
-            </a:endParaRPr>
-          </a:p>
-        </p:txBody>
-      </p:sp>
+              <a:t>Диаграмма прецедентов </a:t>
+            </a:r>
+            <a:endParaRPr lang="ru-RU" dirty="0"/>
+          </a:p>
+        </p:txBody>
+      </p:sp>
+      <p:pic>
+        <p:nvPicPr>
+          <p:cNvPr id="3" name="Рисунок 3">
+            <a:extLst>
+              <a:ext uri="{FF2B5EF4-FFF2-40B4-BE49-F238E27FC236}">
+                <a16:creationId xmlns:a16="http://schemas.microsoft.com/office/drawing/2014/main" id="{A1444C11-E5D8-45C7-A16A-5FF6B555E6C6}"/>
+              </a:ext>
+            </a:extLst>
+          </p:cNvPr>
+          <p:cNvPicPr>
+            <a:picLocks noChangeAspect="1"/>
+          </p:cNvPicPr>
+          <p:nvPr/>
+        </p:nvPicPr>
+        <p:blipFill>
+          <a:blip r:embed="rId2"/>
+          <a:stretch>
+            <a:fillRect/>
+          </a:stretch>
+        </p:blipFill>
+        <p:spPr>
+          <a:xfrm>
+            <a:off x="3718" y="81"/>
+            <a:ext cx="12245432" cy="6886182"/>
+          </a:xfrm>
+          <a:prstGeom prst="rect">
+            <a:avLst/>
+          </a:prstGeom>
+        </p:spPr>
+      </p:pic>
     </p:spTree>
     <p:extLst>
       <p:ext uri="{BB962C8B-B14F-4D97-AF65-F5344CB8AC3E}">
-        <p14:creationId xmlns:p14="http://schemas.microsoft.com/office/powerpoint/2010/main" val="3954359949"/>
+        <p14:creationId xmlns:p14="http://schemas.microsoft.com/office/powerpoint/2010/main" val="614226546"/>
       </p:ext>
     </p:extLst>
   </p:cSld>
@@ -4803,6 +4734,182 @@
           <p:cNvPr id="2" name="Заголовок 1">
             <a:extLst>
               <a:ext uri="{FF2B5EF4-FFF2-40B4-BE49-F238E27FC236}">
+                <a16:creationId xmlns:a16="http://schemas.microsoft.com/office/drawing/2014/main" id="{A168AE79-4582-49E3-A235-B6C476B1625A}"/>
+              </a:ext>
+            </a:extLst>
+          </p:cNvPr>
+          <p:cNvSpPr>
+            <a:spLocks noGrp="1"/>
+          </p:cNvSpPr>
+          <p:nvPr>
+            <p:ph type="title"/>
+          </p:nvPr>
+        </p:nvSpPr>
+        <p:spPr/>
+        <p:txBody>
+          <a:bodyPr/>
+          <a:lstStyle/>
+          <a:p>
+            <a:r>
+              <a:rPr lang="ru-RU" b="1" i="0">
+                <a:ea typeface="+mj-lt"/>
+                <a:cs typeface="+mj-lt"/>
+              </a:rPr>
+              <a:t>Описание реализации</a:t>
+            </a:r>
+            <a:br>
+              <a:rPr lang="ru-RU" b="1" i="0" dirty="0">
+                <a:ea typeface="+mj-lt"/>
+                <a:cs typeface="+mj-lt"/>
+              </a:rPr>
+            </a:br>
+            <a:r>
+              <a:rPr lang="ru-RU" b="1" i="0"/>
+              <a:t>(Классы)</a:t>
+            </a:r>
+            <a:endParaRPr lang="ru-RU"/>
+          </a:p>
+        </p:txBody>
+      </p:sp>
+      <p:sp>
+        <p:nvSpPr>
+          <p:cNvPr id="3" name="Объект 2">
+            <a:extLst>
+              <a:ext uri="{FF2B5EF4-FFF2-40B4-BE49-F238E27FC236}">
+                <a16:creationId xmlns:a16="http://schemas.microsoft.com/office/drawing/2014/main" id="{B7BA196C-99A1-4E6F-B252-5DB9E57894D7}"/>
+              </a:ext>
+            </a:extLst>
+          </p:cNvPr>
+          <p:cNvSpPr>
+            <a:spLocks noGrp="1"/>
+          </p:cNvSpPr>
+          <p:nvPr>
+            <p:ph idx="1"/>
+          </p:nvPr>
+        </p:nvSpPr>
+        <p:spPr/>
+        <p:txBody>
+          <a:bodyPr vert="horz" lIns="91440" tIns="45720" rIns="91440" bIns="45720" rtlCol="0" anchor="t">
+            <a:normAutofit/>
+          </a:bodyPr>
+          <a:lstStyle/>
+          <a:p>
+            <a:pPr marL="0" indent="0">
+              <a:buNone/>
+            </a:pPr>
+            <a:r>
+              <a:rPr lang="ru-RU" dirty="0"/>
+              <a:t>В проекте было </a:t>
+            </a:r>
+            <a:r>
+              <a:rPr lang="ru-RU" dirty="0" err="1"/>
+              <a:t>реализованно</a:t>
+            </a:r>
+            <a:r>
+              <a:rPr lang="ru-RU" dirty="0"/>
+              <a:t> 5 классов:</a:t>
+            </a:r>
+          </a:p>
+          <a:p>
+            <a:pPr marL="457200" indent="-457200">
+              <a:buAutoNum type="arabicPeriod"/>
+            </a:pPr>
+            <a:r>
+              <a:rPr lang="ru-RU" dirty="0"/>
+              <a:t>Класс главного окна (можно сказать что это главное меню)</a:t>
+            </a:r>
+          </a:p>
+          <a:p>
+            <a:pPr marL="457200" indent="-457200">
+              <a:buAutoNum type="arabicPeriod"/>
+            </a:pPr>
+            <a:r>
+              <a:rPr lang="ru-RU" dirty="0"/>
+              <a:t>Класс окна базы данных фильмов</a:t>
+            </a:r>
+          </a:p>
+          <a:p>
+            <a:pPr marL="457200" indent="-457200">
+              <a:buAutoNum type="arabicPeriod"/>
+            </a:pPr>
+            <a:r>
+              <a:rPr lang="ru-RU" dirty="0">
+                <a:ea typeface="+mn-lt"/>
+                <a:cs typeface="+mn-lt"/>
+              </a:rPr>
+              <a:t>Класс окна базы данных сериалов</a:t>
+            </a:r>
+          </a:p>
+          <a:p>
+            <a:pPr marL="457200" indent="-457200">
+              <a:buAutoNum type="arabicPeriod"/>
+            </a:pPr>
+            <a:r>
+              <a:rPr lang="ru-RU" dirty="0">
+                <a:ea typeface="+mn-lt"/>
+                <a:cs typeface="+mn-lt"/>
+              </a:rPr>
+              <a:t>Класс окна базы данных книг</a:t>
+            </a:r>
+          </a:p>
+          <a:p>
+            <a:pPr marL="457200" indent="-457200">
+              <a:buAutoNum type="arabicPeriod"/>
+            </a:pPr>
+            <a:r>
+              <a:rPr lang="ru-RU" dirty="0">
+                <a:ea typeface="+mn-lt"/>
+                <a:cs typeface="+mn-lt"/>
+              </a:rPr>
+              <a:t>Класс окна настроек</a:t>
+            </a:r>
+          </a:p>
+          <a:p>
+            <a:pPr marL="457200" indent="-457200">
+              <a:buAutoNum type="arabicPeriod"/>
+            </a:pPr>
+            <a:endParaRPr lang="ru-RU" dirty="0">
+              <a:ea typeface="+mn-lt"/>
+              <a:cs typeface="+mn-lt"/>
+            </a:endParaRPr>
+          </a:p>
+        </p:txBody>
+      </p:sp>
+    </p:spTree>
+    <p:extLst>
+      <p:ext uri="{BB962C8B-B14F-4D97-AF65-F5344CB8AC3E}">
+        <p14:creationId xmlns:p14="http://schemas.microsoft.com/office/powerpoint/2010/main" val="3954359949"/>
+      </p:ext>
+    </p:extLst>
+  </p:cSld>
+  <p:clrMapOvr>
+    <a:masterClrMapping/>
+  </p:clrMapOvr>
+</p:sld>
+</file>
+
+<file path=ppt/slides/slide5.xml><?xml version="1.0" encoding="utf-8"?>
+<p:sld xmlns:a="http://schemas.openxmlformats.org/drawingml/2006/main" xmlns:r="http://schemas.openxmlformats.org/officeDocument/2006/relationships" xmlns:p="http://schemas.openxmlformats.org/presentationml/2006/main">
+  <p:cSld>
+    <p:spTree>
+      <p:nvGrpSpPr>
+        <p:cNvPr id="1" name=""/>
+        <p:cNvGrpSpPr/>
+        <p:nvPr/>
+      </p:nvGrpSpPr>
+      <p:grpSpPr>
+        <a:xfrm>
+          <a:off x="0" y="0"/>
+          <a:ext cx="0" cy="0"/>
+          <a:chOff x="0" y="0"/>
+          <a:chExt cx="0" cy="0"/>
+        </a:xfrm>
+      </p:grpSpPr>
+      <p:sp>
+        <p:nvSpPr>
+          <p:cNvPr id="2" name="Заголовок 1">
+            <a:extLst>
+              <a:ext uri="{FF2B5EF4-FFF2-40B4-BE49-F238E27FC236}">
                 <a16:creationId xmlns:a16="http://schemas.microsoft.com/office/drawing/2014/main" id="{C12B9A41-F12A-4E66-956E-DB1890DC5AE9}"/>
               </a:ext>
             </a:extLst>
@@ -4923,7 +5030,566 @@
 </p:sld>
 </file>
 
-<file path=ppt/slides/slide5.xml><?xml version="1.0" encoding="utf-8"?>
+<file path=ppt/slides/slide6.xml><?xml version="1.0" encoding="utf-8"?>
+<p:sld xmlns:a="http://schemas.openxmlformats.org/drawingml/2006/main" xmlns:r="http://schemas.openxmlformats.org/officeDocument/2006/relationships" xmlns:p="http://schemas.openxmlformats.org/presentationml/2006/main">
+  <p:cSld>
+    <p:spTree>
+      <p:nvGrpSpPr>
+        <p:cNvPr id="1" name=""/>
+        <p:cNvGrpSpPr/>
+        <p:nvPr/>
+      </p:nvGrpSpPr>
+      <p:grpSpPr>
+        <a:xfrm>
+          <a:off x="0" y="0"/>
+          <a:ext cx="0" cy="0"/>
+          <a:chOff x="0" y="0"/>
+          <a:chExt cx="0" cy="0"/>
+        </a:xfrm>
+      </p:grpSpPr>
+      <p:sp>
+        <p:nvSpPr>
+          <p:cNvPr id="2" name="Заголовок 1">
+            <a:extLst>
+              <a:ext uri="{FF2B5EF4-FFF2-40B4-BE49-F238E27FC236}">
+                <a16:creationId xmlns:a16="http://schemas.microsoft.com/office/drawing/2014/main" id="{63665F3C-69F5-4EAE-BB97-4C5CD65AE0C0}"/>
+              </a:ext>
+            </a:extLst>
+          </p:cNvPr>
+          <p:cNvSpPr>
+            <a:spLocks noGrp="1"/>
+          </p:cNvSpPr>
+          <p:nvPr>
+            <p:ph type="title"/>
+          </p:nvPr>
+        </p:nvSpPr>
+        <p:spPr/>
+        <p:txBody>
+          <a:bodyPr/>
+          <a:lstStyle/>
+          <a:p>
+            <a:r>
+              <a:rPr lang="ru-RU" dirty="0"/>
+              <a:t>Проект базы данных</a:t>
+            </a:r>
+          </a:p>
+        </p:txBody>
+      </p:sp>
+      <p:pic>
+        <p:nvPicPr>
+          <p:cNvPr id="4" name="Рисунок 4">
+            <a:extLst>
+              <a:ext uri="{FF2B5EF4-FFF2-40B4-BE49-F238E27FC236}">
+                <a16:creationId xmlns:a16="http://schemas.microsoft.com/office/drawing/2014/main" id="{5F0DE861-5EA1-486D-B399-6807AE8A31D2}"/>
+              </a:ext>
+            </a:extLst>
+          </p:cNvPr>
+          <p:cNvPicPr>
+            <a:picLocks noGrp="1" noChangeAspect="1"/>
+          </p:cNvPicPr>
+          <p:nvPr>
+            <p:ph idx="1"/>
+          </p:nvPr>
+        </p:nvPicPr>
+        <p:blipFill>
+          <a:blip r:embed="rId2"/>
+          <a:stretch>
+            <a:fillRect/>
+          </a:stretch>
+        </p:blipFill>
+        <p:spPr>
+          <a:xfrm>
+            <a:off x="1025024" y="1909768"/>
+            <a:ext cx="9052938" cy="4191692"/>
+          </a:xfrm>
+        </p:spPr>
+      </p:pic>
+    </p:spTree>
+    <p:extLst>
+      <p:ext uri="{BB962C8B-B14F-4D97-AF65-F5344CB8AC3E}">
+        <p14:creationId xmlns:p14="http://schemas.microsoft.com/office/powerpoint/2010/main" val="3236337977"/>
+      </p:ext>
+    </p:extLst>
+  </p:cSld>
+  <p:clrMapOvr>
+    <a:masterClrMapping/>
+  </p:clrMapOvr>
+</p:sld>
+</file>
+
+<file path=ppt/slides/slide7.xml><?xml version="1.0" encoding="utf-8"?>
+<p:sld xmlns:a="http://schemas.openxmlformats.org/drawingml/2006/main" xmlns:r="http://schemas.openxmlformats.org/officeDocument/2006/relationships" xmlns:p="http://schemas.openxmlformats.org/presentationml/2006/main">
+  <p:cSld>
+    <p:spTree>
+      <p:nvGrpSpPr>
+        <p:cNvPr id="1" name=""/>
+        <p:cNvGrpSpPr/>
+        <p:nvPr/>
+      </p:nvGrpSpPr>
+      <p:grpSpPr>
+        <a:xfrm>
+          <a:off x="0" y="0"/>
+          <a:ext cx="0" cy="0"/>
+          <a:chOff x="0" y="0"/>
+          <a:chExt cx="0" cy="0"/>
+        </a:xfrm>
+      </p:grpSpPr>
+      <p:sp>
+        <p:nvSpPr>
+          <p:cNvPr id="2" name="Заголовок 1">
+            <a:extLst>
+              <a:ext uri="{FF2B5EF4-FFF2-40B4-BE49-F238E27FC236}">
+                <a16:creationId xmlns:a16="http://schemas.microsoft.com/office/drawing/2014/main" id="{BEBB272F-D1CD-4721-AE73-784C7795593B}"/>
+              </a:ext>
+            </a:extLst>
+          </p:cNvPr>
+          <p:cNvSpPr>
+            <a:spLocks noGrp="1"/>
+          </p:cNvSpPr>
+          <p:nvPr>
+            <p:ph type="title"/>
+          </p:nvPr>
+        </p:nvSpPr>
+        <p:spPr>
+          <a:xfrm>
+            <a:off x="1143000" y="533401"/>
+            <a:ext cx="9588501" cy="883228"/>
+          </a:xfrm>
+        </p:spPr>
+        <p:txBody>
+          <a:bodyPr/>
+          <a:lstStyle/>
+          <a:p>
+            <a:r>
+              <a:rPr lang="ru-RU" dirty="0"/>
+              <a:t>Интерфейс(1)</a:t>
+            </a:r>
+          </a:p>
+        </p:txBody>
+      </p:sp>
+      <p:sp>
+        <p:nvSpPr>
+          <p:cNvPr id="9" name="TextBox 8">
+            <a:extLst>
+              <a:ext uri="{FF2B5EF4-FFF2-40B4-BE49-F238E27FC236}">
+                <a16:creationId xmlns:a16="http://schemas.microsoft.com/office/drawing/2014/main" id="{04BDC0B0-C2E3-4AD4-A2CD-5A8F3B0758E2}"/>
+              </a:ext>
+            </a:extLst>
+          </p:cNvPr>
+          <p:cNvSpPr txBox="1"/>
+          <p:nvPr/>
+        </p:nvSpPr>
+        <p:spPr>
+          <a:xfrm>
+            <a:off x="4575717" y="1760034"/>
+            <a:ext cx="2743200" cy="369332"/>
+          </a:xfrm>
+          <a:prstGeom prst="rect">
+            <a:avLst/>
+          </a:prstGeom>
+          <a:noFill/>
+        </p:spPr>
+        <p:txBody>
+          <a:bodyPr rot="0" spcFirstLastPara="0" vertOverflow="overflow" horzOverflow="overflow" vert="horz" wrap="square" lIns="91440" tIns="45720" rIns="91440" bIns="45720" numCol="1" spcCol="0" rtlCol="0" fromWordArt="0" anchor="t" anchorCtr="0" forceAA="0" compatLnSpc="1">
+            <a:prstTxWarp prst="textNoShape">
+              <a:avLst/>
+            </a:prstTxWarp>
+            <a:spAutoFit/>
+          </a:bodyPr>
+          <a:lstStyle/>
+          <a:p>
+            <a:r>
+              <a:rPr lang="ru-RU" dirty="0">
+                <a:ea typeface="+mn-lt"/>
+                <a:cs typeface="+mn-lt"/>
+              </a:rPr>
+              <a:t>окно базы данных фильмов</a:t>
+            </a:r>
+            <a:endParaRPr lang="ru-RU" dirty="0"/>
+          </a:p>
+        </p:txBody>
+      </p:sp>
+      <p:sp>
+        <p:nvSpPr>
+          <p:cNvPr id="10" name="TextBox 9">
+            <a:extLst>
+              <a:ext uri="{FF2B5EF4-FFF2-40B4-BE49-F238E27FC236}">
+                <a16:creationId xmlns:a16="http://schemas.microsoft.com/office/drawing/2014/main" id="{33D7A6DA-534A-4DFE-A3C0-9AE6F83E9DF8}"/>
+              </a:ext>
+            </a:extLst>
+          </p:cNvPr>
+          <p:cNvSpPr txBox="1"/>
+          <p:nvPr/>
+        </p:nvSpPr>
+        <p:spPr>
+          <a:xfrm>
+            <a:off x="369616" y="1763519"/>
+            <a:ext cx="3021980" cy="369332"/>
+          </a:xfrm>
+          <a:prstGeom prst="rect">
+            <a:avLst/>
+          </a:prstGeom>
+          <a:noFill/>
+        </p:spPr>
+        <p:txBody>
+          <a:bodyPr rot="0" spcFirstLastPara="0" vertOverflow="overflow" horzOverflow="overflow" vert="horz" wrap="square" lIns="91440" tIns="45720" rIns="91440" bIns="45720" numCol="1" spcCol="0" rtlCol="0" fromWordArt="0" anchor="t" anchorCtr="0" forceAA="0" compatLnSpc="1">
+            <a:prstTxWarp prst="textNoShape">
+              <a:avLst/>
+            </a:prstTxWarp>
+            <a:spAutoFit/>
+          </a:bodyPr>
+          <a:lstStyle/>
+          <a:p>
+            <a:r>
+              <a:rPr lang="ru-RU" dirty="0">
+                <a:ea typeface="+mn-lt"/>
+                <a:cs typeface="+mn-lt"/>
+              </a:rPr>
+              <a:t>окно базы данных сериалов</a:t>
+            </a:r>
+            <a:endParaRPr lang="ru-RU" dirty="0"/>
+          </a:p>
+        </p:txBody>
+      </p:sp>
+      <p:sp>
+        <p:nvSpPr>
+          <p:cNvPr id="11" name="TextBox 10">
+            <a:extLst>
+              <a:ext uri="{FF2B5EF4-FFF2-40B4-BE49-F238E27FC236}">
+                <a16:creationId xmlns:a16="http://schemas.microsoft.com/office/drawing/2014/main" id="{C39560FC-718F-466D-87A1-2E9A93E2EECA}"/>
+              </a:ext>
+            </a:extLst>
+          </p:cNvPr>
+          <p:cNvSpPr txBox="1"/>
+          <p:nvPr/>
+        </p:nvSpPr>
+        <p:spPr>
+          <a:xfrm>
+            <a:off x="8652882" y="1767004"/>
+            <a:ext cx="2743200" cy="369332"/>
+          </a:xfrm>
+          <a:prstGeom prst="rect">
+            <a:avLst/>
+          </a:prstGeom>
+          <a:noFill/>
+        </p:spPr>
+        <p:txBody>
+          <a:bodyPr rot="0" spcFirstLastPara="0" vertOverflow="overflow" horzOverflow="overflow" vert="horz" wrap="square" lIns="91440" tIns="45720" rIns="91440" bIns="45720" numCol="1" spcCol="0" rtlCol="0" fromWordArt="0" anchor="t" anchorCtr="0" forceAA="0" compatLnSpc="1">
+            <a:prstTxWarp prst="textNoShape">
+              <a:avLst/>
+            </a:prstTxWarp>
+            <a:spAutoFit/>
+          </a:bodyPr>
+          <a:lstStyle/>
+          <a:p>
+            <a:r>
+              <a:rPr lang="ru-RU" dirty="0">
+                <a:ea typeface="+mn-lt"/>
+                <a:cs typeface="+mn-lt"/>
+              </a:rPr>
+              <a:t>окна базы данных книг</a:t>
+            </a:r>
+            <a:endParaRPr lang="ru-RU" dirty="0"/>
+          </a:p>
+        </p:txBody>
+      </p:sp>
+      <p:pic>
+        <p:nvPicPr>
+          <p:cNvPr id="3" name="Рисунок 4">
+            <a:extLst>
+              <a:ext uri="{FF2B5EF4-FFF2-40B4-BE49-F238E27FC236}">
+                <a16:creationId xmlns:a16="http://schemas.microsoft.com/office/drawing/2014/main" id="{4EBAFA44-A263-454B-9409-B0CFFDE3CE97}"/>
+              </a:ext>
+            </a:extLst>
+          </p:cNvPr>
+          <p:cNvPicPr>
+            <a:picLocks noChangeAspect="1"/>
+          </p:cNvPicPr>
+          <p:nvPr/>
+        </p:nvPicPr>
+        <p:blipFill>
+          <a:blip r:embed="rId2"/>
+          <a:stretch>
+            <a:fillRect/>
+          </a:stretch>
+        </p:blipFill>
+        <p:spPr>
+          <a:xfrm>
+            <a:off x="440473" y="2142796"/>
+            <a:ext cx="2938346" cy="3334406"/>
+          </a:xfrm>
+          <a:prstGeom prst="rect">
+            <a:avLst/>
+          </a:prstGeom>
+        </p:spPr>
+      </p:pic>
+      <p:pic>
+        <p:nvPicPr>
+          <p:cNvPr id="7" name="Рисунок 11">
+            <a:extLst>
+              <a:ext uri="{FF2B5EF4-FFF2-40B4-BE49-F238E27FC236}">
+                <a16:creationId xmlns:a16="http://schemas.microsoft.com/office/drawing/2014/main" id="{CEE91A7E-68D4-4273-822E-03EFFB54E5B0}"/>
+              </a:ext>
+            </a:extLst>
+          </p:cNvPr>
+          <p:cNvPicPr>
+            <a:picLocks noChangeAspect="1"/>
+          </p:cNvPicPr>
+          <p:nvPr/>
+        </p:nvPicPr>
+        <p:blipFill>
+          <a:blip r:embed="rId3"/>
+          <a:stretch>
+            <a:fillRect/>
+          </a:stretch>
+        </p:blipFill>
+        <p:spPr>
+          <a:xfrm>
+            <a:off x="8655205" y="2132543"/>
+            <a:ext cx="2743200" cy="3317744"/>
+          </a:xfrm>
+          <a:prstGeom prst="rect">
+            <a:avLst/>
+          </a:prstGeom>
+        </p:spPr>
+      </p:pic>
+      <p:pic>
+        <p:nvPicPr>
+          <p:cNvPr id="12" name="Рисунок 12">
+            <a:extLst>
+              <a:ext uri="{FF2B5EF4-FFF2-40B4-BE49-F238E27FC236}">
+                <a16:creationId xmlns:a16="http://schemas.microsoft.com/office/drawing/2014/main" id="{6130895E-6DA3-4B77-BB66-6303A336C165}"/>
+              </a:ext>
+            </a:extLst>
+          </p:cNvPr>
+          <p:cNvPicPr>
+            <a:picLocks noChangeAspect="1"/>
+          </p:cNvPicPr>
+          <p:nvPr/>
+        </p:nvPicPr>
+        <p:blipFill>
+          <a:blip r:embed="rId4"/>
+          <a:stretch>
+            <a:fillRect/>
+          </a:stretch>
+        </p:blipFill>
+        <p:spPr>
+          <a:xfrm>
+            <a:off x="4557132" y="2134394"/>
+            <a:ext cx="2771077" cy="3332627"/>
+          </a:xfrm>
+          <a:prstGeom prst="rect">
+            <a:avLst/>
+          </a:prstGeom>
+        </p:spPr>
+      </p:pic>
+    </p:spTree>
+    <p:extLst>
+      <p:ext uri="{BB962C8B-B14F-4D97-AF65-F5344CB8AC3E}">
+        <p14:creationId xmlns:p14="http://schemas.microsoft.com/office/powerpoint/2010/main" val="3531069603"/>
+      </p:ext>
+    </p:extLst>
+  </p:cSld>
+  <p:clrMapOvr>
+    <a:masterClrMapping/>
+  </p:clrMapOvr>
+</p:sld>
+</file>
+
+<file path=ppt/slides/slide8.xml><?xml version="1.0" encoding="utf-8"?>
+<p:sld xmlns:a="http://schemas.openxmlformats.org/drawingml/2006/main" xmlns:r="http://schemas.openxmlformats.org/officeDocument/2006/relationships" xmlns:p="http://schemas.openxmlformats.org/presentationml/2006/main">
+  <p:cSld>
+    <p:spTree>
+      <p:nvGrpSpPr>
+        <p:cNvPr id="1" name=""/>
+        <p:cNvGrpSpPr/>
+        <p:nvPr/>
+      </p:nvGrpSpPr>
+      <p:grpSpPr>
+        <a:xfrm>
+          <a:off x="0" y="0"/>
+          <a:ext cx="0" cy="0"/>
+          <a:chOff x="0" y="0"/>
+          <a:chExt cx="0" cy="0"/>
+        </a:xfrm>
+      </p:grpSpPr>
+      <p:sp>
+        <p:nvSpPr>
+          <p:cNvPr id="2" name="Заголовок 1">
+            <a:extLst>
+              <a:ext uri="{FF2B5EF4-FFF2-40B4-BE49-F238E27FC236}">
+                <a16:creationId xmlns:a16="http://schemas.microsoft.com/office/drawing/2014/main" id="{BD3BB3CA-F915-4BF7-A002-073BAD2DCE1B}"/>
+              </a:ext>
+            </a:extLst>
+          </p:cNvPr>
+          <p:cNvSpPr>
+            <a:spLocks noGrp="1"/>
+          </p:cNvSpPr>
+          <p:nvPr>
+            <p:ph type="title"/>
+          </p:nvPr>
+        </p:nvSpPr>
+        <p:spPr/>
+        <p:txBody>
+          <a:bodyPr/>
+          <a:lstStyle/>
+          <a:p>
+            <a:r>
+              <a:rPr lang="ru-RU" dirty="0"/>
+              <a:t>Интерфейс(2)</a:t>
+            </a:r>
+          </a:p>
+        </p:txBody>
+      </p:sp>
+      <p:pic>
+        <p:nvPicPr>
+          <p:cNvPr id="4" name="Рисунок 4" descr="Изображение выглядит как текст&#10;&#10;Автоматически созданное описание">
+            <a:extLst>
+              <a:ext uri="{FF2B5EF4-FFF2-40B4-BE49-F238E27FC236}">
+                <a16:creationId xmlns:a16="http://schemas.microsoft.com/office/drawing/2014/main" id="{5D1B86F7-A245-4934-8678-71EA760F6B7E}"/>
+              </a:ext>
+            </a:extLst>
+          </p:cNvPr>
+          <p:cNvPicPr>
+            <a:picLocks noGrp="1" noChangeAspect="1"/>
+          </p:cNvPicPr>
+          <p:nvPr>
+            <p:ph idx="1"/>
+          </p:nvPr>
+        </p:nvPicPr>
+        <p:blipFill>
+          <a:blip r:embed="rId2"/>
+          <a:stretch>
+            <a:fillRect/>
+          </a:stretch>
+        </p:blipFill>
+        <p:spPr>
+          <a:xfrm>
+            <a:off x="1141954" y="2745532"/>
+            <a:ext cx="2752725" cy="2162175"/>
+          </a:xfrm>
+        </p:spPr>
+      </p:pic>
+      <p:pic>
+        <p:nvPicPr>
+          <p:cNvPr id="6" name="Рисунок 6">
+            <a:extLst>
+              <a:ext uri="{FF2B5EF4-FFF2-40B4-BE49-F238E27FC236}">
+                <a16:creationId xmlns:a16="http://schemas.microsoft.com/office/drawing/2014/main" id="{A896C9AE-EE70-4752-9526-EF77DD6200FC}"/>
+              </a:ext>
+            </a:extLst>
+          </p:cNvPr>
+          <p:cNvPicPr>
+            <a:picLocks noChangeAspect="1"/>
+          </p:cNvPicPr>
+          <p:nvPr/>
+        </p:nvPicPr>
+        <p:blipFill>
+          <a:blip r:embed="rId3"/>
+          <a:stretch>
+            <a:fillRect/>
+          </a:stretch>
+        </p:blipFill>
+        <p:spPr>
+          <a:xfrm>
+            <a:off x="7744522" y="2748815"/>
+            <a:ext cx="2743200" cy="2159540"/>
+          </a:xfrm>
+          <a:prstGeom prst="rect">
+            <a:avLst/>
+          </a:prstGeom>
+        </p:spPr>
+      </p:pic>
+      <p:sp>
+        <p:nvSpPr>
+          <p:cNvPr id="7" name="TextBox 6">
+            <a:extLst>
+              <a:ext uri="{FF2B5EF4-FFF2-40B4-BE49-F238E27FC236}">
+                <a16:creationId xmlns:a16="http://schemas.microsoft.com/office/drawing/2014/main" id="{3A816949-C2E1-4199-B6A8-001F9CD90B0C}"/>
+              </a:ext>
+            </a:extLst>
+          </p:cNvPr>
+          <p:cNvSpPr txBox="1"/>
+          <p:nvPr/>
+        </p:nvSpPr>
+        <p:spPr>
+          <a:xfrm>
+            <a:off x="1137424" y="2373351"/>
+            <a:ext cx="2743200" cy="369332"/>
+          </a:xfrm>
+          <a:prstGeom prst="rect">
+            <a:avLst/>
+          </a:prstGeom>
+          <a:noFill/>
+        </p:spPr>
+        <p:txBody>
+          <a:bodyPr rot="0" spcFirstLastPara="0" vertOverflow="overflow" horzOverflow="overflow" vert="horz" wrap="square" lIns="91440" tIns="45720" rIns="91440" bIns="45720" numCol="1" spcCol="0" rtlCol="0" fromWordArt="0" anchor="t" anchorCtr="0" forceAA="0" compatLnSpc="1">
+            <a:prstTxWarp prst="textNoShape">
+              <a:avLst/>
+            </a:prstTxWarp>
+            <a:spAutoFit/>
+          </a:bodyPr>
+          <a:lstStyle/>
+          <a:p>
+            <a:r>
+              <a:rPr lang="ru-RU" dirty="0"/>
+              <a:t>Главное меню</a:t>
+            </a:r>
+          </a:p>
+        </p:txBody>
+      </p:sp>
+      <p:sp>
+        <p:nvSpPr>
+          <p:cNvPr id="8" name="TextBox 7">
+            <a:extLst>
+              <a:ext uri="{FF2B5EF4-FFF2-40B4-BE49-F238E27FC236}">
+                <a16:creationId xmlns:a16="http://schemas.microsoft.com/office/drawing/2014/main" id="{E4AA7D70-FF7D-4991-B003-1C6B6D394BC2}"/>
+              </a:ext>
+            </a:extLst>
+          </p:cNvPr>
+          <p:cNvSpPr txBox="1"/>
+          <p:nvPr/>
+        </p:nvSpPr>
+        <p:spPr>
+          <a:xfrm>
+            <a:off x="7710836" y="2376836"/>
+            <a:ext cx="2743200" cy="369332"/>
+          </a:xfrm>
+          <a:prstGeom prst="rect">
+            <a:avLst/>
+          </a:prstGeom>
+          <a:noFill/>
+        </p:spPr>
+        <p:txBody>
+          <a:bodyPr rot="0" spcFirstLastPara="0" vertOverflow="overflow" horzOverflow="overflow" vert="horz" wrap="square" lIns="91440" tIns="45720" rIns="91440" bIns="45720" numCol="1" spcCol="0" rtlCol="0" fromWordArt="0" anchor="t" anchorCtr="0" forceAA="0" compatLnSpc="1">
+            <a:prstTxWarp prst="textNoShape">
+              <a:avLst/>
+            </a:prstTxWarp>
+            <a:spAutoFit/>
+          </a:bodyPr>
+          <a:lstStyle/>
+          <a:p>
+            <a:r>
+              <a:rPr lang="ru-RU" dirty="0"/>
+              <a:t>Окно настройки</a:t>
+            </a:r>
+          </a:p>
+        </p:txBody>
+      </p:sp>
+    </p:spTree>
+    <p:extLst>
+      <p:ext uri="{BB962C8B-B14F-4D97-AF65-F5344CB8AC3E}">
+        <p14:creationId xmlns:p14="http://schemas.microsoft.com/office/powerpoint/2010/main" val="3033396803"/>
+      </p:ext>
+    </p:extLst>
+  </p:cSld>
+  <p:clrMapOvr>
+    <a:masterClrMapping/>
+  </p:clrMapOvr>
+</p:sld>
+</file>
+
+<file path=ppt/slides/slide9.xml><?xml version="1.0" encoding="utf-8"?>
 <p:sld xmlns:a="http://schemas.openxmlformats.org/drawingml/2006/main" xmlns:r="http://schemas.openxmlformats.org/officeDocument/2006/relationships" xmlns:p="http://schemas.openxmlformats.org/presentationml/2006/main">
   <p:cSld>
     <p:spTree>
